--- a/PaxosPresentation.pptx
+++ b/PaxosPresentation.pptx
@@ -7335,7 +7335,7 @@
                 <a:latin typeface="Times New Roman" panose="02020603050405020304" pitchFamily="18" charset="0"/>
                 <a:cs typeface="Times New Roman" panose="02020603050405020304" pitchFamily="18" charset="0"/>
               </a:rPr>
-              <a:t>Test are provided by </a:t>
+              <a:t>Test set is provided by </a:t>
             </a:r>
             <a:r>
               <a:rPr lang="en-US" altLang="zh-CN" sz="1600" dirty="0" err="1">
@@ -7366,7 +7366,7 @@
                 <a:latin typeface="Times New Roman" panose="02020603050405020304" pitchFamily="18" charset="0"/>
                 <a:cs typeface="Times New Roman" panose="02020603050405020304" pitchFamily="18" charset="0"/>
               </a:rPr>
-              <a:t>The tests include single/multiple client(s)/server(s), network partitions, partition heals, concurrent operations etc. Also, the tests will test how many messages the system sends per request to evaluate the message redundancy. Our system uses about 60 messages per request.</a:t>
+              <a:t>The tests include single/multiple client(s)/server(s), network partitions, partition heals, concurrent operations etc. Also, the test set will test how many messages the system sends per request to evaluate the message redundancy. Our system uses about 60 messages per request.</a:t>
             </a:r>
           </a:p>
           <a:p>
@@ -11754,36 +11754,6 @@
           </a:p>
         </p:txBody>
       </p:sp>
-      <p:pic>
-        <p:nvPicPr>
-          <p:cNvPr id="22" name="图片 21" descr="图片包含 游戏机, 地图&#10;&#10;描述已自动生成">
-            <a:extLst>
-              <a:ext uri="{FF2B5EF4-FFF2-40B4-BE49-F238E27FC236}">
-                <a16:creationId xmlns:a16="http://schemas.microsoft.com/office/drawing/2014/main" id="{5A2EC5F3-877D-44E3-BD89-07820A6A6C6D}"/>
-              </a:ext>
-            </a:extLst>
-          </p:cNvPr>
-          <p:cNvPicPr>
-            <a:picLocks noChangeAspect="1"/>
-          </p:cNvPicPr>
-          <p:nvPr/>
-        </p:nvPicPr>
-        <p:blipFill>
-          <a:blip r:embed="rId2"/>
-          <a:stretch>
-            <a:fillRect/>
-          </a:stretch>
-        </p:blipFill>
-        <p:spPr>
-          <a:xfrm>
-            <a:off x="5286577" y="1156357"/>
-            <a:ext cx="6142724" cy="4545286"/>
-          </a:xfrm>
-          <a:prstGeom prst="rect">
-            <a:avLst/>
-          </a:prstGeom>
-        </p:spPr>
-      </p:pic>
       <p:sp>
         <p:nvSpPr>
           <p:cNvPr id="23" name="矩形 22">
@@ -11960,6 +11930,36 @@
           </a:p>
         </p:txBody>
       </p:sp>
+      <p:pic>
+        <p:nvPicPr>
+          <p:cNvPr id="3" name="Picture 2" descr="A close up of a map&#10;&#10;Description automatically generated">
+            <a:extLst>
+              <a:ext uri="{FF2B5EF4-FFF2-40B4-BE49-F238E27FC236}">
+                <a16:creationId xmlns:a16="http://schemas.microsoft.com/office/drawing/2014/main" id="{FA4BF807-F95A-314F-B3DE-AC0D4C8AC0EC}"/>
+              </a:ext>
+            </a:extLst>
+          </p:cNvPr>
+          <p:cNvPicPr>
+            <a:picLocks noChangeAspect="1"/>
+          </p:cNvPicPr>
+          <p:nvPr/>
+        </p:nvPicPr>
+        <p:blipFill>
+          <a:blip r:embed="rId2"/>
+          <a:stretch>
+            <a:fillRect/>
+          </a:stretch>
+        </p:blipFill>
+        <p:spPr>
+          <a:xfrm>
+            <a:off x="5285127" y="1156357"/>
+            <a:ext cx="6145623" cy="4545286"/>
+          </a:xfrm>
+          <a:prstGeom prst="rect">
+            <a:avLst/>
+          </a:prstGeom>
+        </p:spPr>
+      </p:pic>
     </p:spTree>
     <p:extLst>
       <p:ext uri="{BB962C8B-B14F-4D97-AF65-F5344CB8AC3E}">
@@ -12295,8 +12295,8 @@
         </p:nvSpPr>
         <p:spPr>
           <a:xfrm>
-            <a:off x="1768669" y="3147256"/>
-            <a:ext cx="8654662" cy="2577116"/>
+            <a:off x="1477409" y="3136239"/>
+            <a:ext cx="9237182" cy="2577116"/>
           </a:xfrm>
           <a:prstGeom prst="rect">
             <a:avLst/>
@@ -12431,6 +12431,27 @@
                 <a:sym typeface="+mn-lt"/>
               </a:rPr>
               <a:t>Instead, stay inactive and serve as a follower </a:t>
+            </a:r>
+          </a:p>
+          <a:p>
+            <a:pPr marL="742939" lvl="1" indent="-285750" defTabSz="914400">
+              <a:lnSpc>
+                <a:spcPct val="130000"/>
+              </a:lnSpc>
+              <a:buFont typeface="Arial" panose="020B0604020202020204" pitchFamily="34" charset="0"/>
+              <a:buChar char="•"/>
+              <a:defRPr/>
+            </a:pPr>
+            <a:r>
+              <a:rPr lang="en-US" altLang="zh-CN" kern="0" dirty="0">
+                <a:solidFill>
+                  <a:schemeClr val="bg1"/>
+                </a:solidFill>
+                <a:latin typeface="Times New Roman" panose="02020603050405020304" pitchFamily="18" charset="0"/>
+                <a:cs typeface="Times New Roman" panose="02020603050405020304" pitchFamily="18" charset="0"/>
+                <a:sym typeface="+mn-lt"/>
+              </a:rPr>
+              <a:t>Use Heartbeat/Ping message to make sure leader survive</a:t>
             </a:r>
           </a:p>
         </p:txBody>

--- a/PaxosPresentation.pptx
+++ b/PaxosPresentation.pptx
@@ -10346,7 +10346,7 @@
           <p:spPr>
             <a:xfrm>
               <a:off x="247498" y="2041376"/>
-              <a:ext cx="1076256" cy="312393"/>
+              <a:ext cx="2042867" cy="312393"/>
             </a:xfrm>
             <a:prstGeom prst="rect">
               <a:avLst/>
@@ -10390,7 +10390,7 @@
                   <a:cs typeface="Times New Roman" panose="02020603050405020304" pitchFamily="18" charset="0"/>
                   <a:sym typeface="+mn-lt"/>
                 </a:rPr>
-                <a:t>Exactly once</a:t>
+                <a:t>Low message redundancy</a:t>
               </a:r>
             </a:p>
           </p:txBody>
@@ -11933,6 +11933,7 @@
       <p:pic>
         <p:nvPicPr>
           <p:cNvPr id="3" name="Picture 2" descr="A close up of a map&#10;&#10;Description automatically generated">
+            <a:hlinkClick r:id="rId2" action="ppaction://hlinksldjump"/>
             <a:extLst>
               <a:ext uri="{FF2B5EF4-FFF2-40B4-BE49-F238E27FC236}">
                 <a16:creationId xmlns:a16="http://schemas.microsoft.com/office/drawing/2014/main" id="{FA4BF807-F95A-314F-B3DE-AC0D4C8AC0EC}"/>
@@ -11945,7 +11946,7 @@
           <p:nvPr/>
         </p:nvPicPr>
         <p:blipFill>
-          <a:blip r:embed="rId2"/>
+          <a:blip r:embed="rId3"/>
           <a:stretch>
             <a:fillRect/>
           </a:stretch>
@@ -12708,6 +12709,7 @@
       <p:pic>
         <p:nvPicPr>
           <p:cNvPr id="6" name="图片 5" descr="手机屏幕截图&#10;&#10;描述已自动生成">
+            <a:hlinkClick r:id="rId2" action="ppaction://hlinksldjump"/>
             <a:extLst>
               <a:ext uri="{FF2B5EF4-FFF2-40B4-BE49-F238E27FC236}">
                 <a16:creationId xmlns:a16="http://schemas.microsoft.com/office/drawing/2014/main" id="{C3A3D3DC-63FD-44E2-91DA-3D0D8739ECE7}"/>
@@ -12720,7 +12722,7 @@
           <p:nvPr/>
         </p:nvPicPr>
         <p:blipFill>
-          <a:blip r:embed="rId2"/>
+          <a:blip r:embed="rId3"/>
           <a:stretch>
             <a:fillRect/>
           </a:stretch>
@@ -12879,7 +12881,7 @@
                 <a:cs typeface="Times New Roman" panose="02020603050405020304" pitchFamily="18" charset="0"/>
                 <a:sym typeface="+mn-lt"/>
               </a:rPr>
-              <a:t>This slot has not been proposed for any decision</a:t>
+              <a:t>This slot has not been proposed for any command</a:t>
             </a:r>
           </a:p>
           <a:p>
@@ -12963,7 +12965,7 @@
                 <a:cs typeface="Times New Roman" panose="02020603050405020304" pitchFamily="18" charset="0"/>
                 <a:sym typeface="+mn-lt"/>
               </a:rPr>
-              <a:t>The proposal in this slot has gained majority agreements of all acceptors</a:t>
+              <a:t>The proposal in this slot has acquired majority agreements of all acceptors</a:t>
             </a:r>
           </a:p>
           <a:p>
